--- a/BI project Jean Franco Chosson .pptx
+++ b/BI project Jean Franco Chosson .pptx
@@ -5,7 +5,7 @@
     <p:sldMasterId id="2147483660" r:id="rId1"/>
   </p:sldMasterIdLst>
   <p:notesMasterIdLst>
-    <p:notesMasterId r:id="rId9"/>
+    <p:notesMasterId r:id="rId19"/>
   </p:notesMasterIdLst>
   <p:sldIdLst>
     <p:sldId id="256" r:id="rId2"/>
@@ -13,34 +13,44 @@
     <p:sldId id="258" r:id="rId4"/>
     <p:sldId id="262" r:id="rId5"/>
     <p:sldId id="259" r:id="rId6"/>
-    <p:sldId id="260" r:id="rId7"/>
-    <p:sldId id="261" r:id="rId8"/>
+    <p:sldId id="263" r:id="rId7"/>
+    <p:sldId id="264" r:id="rId8"/>
+    <p:sldId id="265" r:id="rId9"/>
+    <p:sldId id="267" r:id="rId10"/>
+    <p:sldId id="268" r:id="rId11"/>
+    <p:sldId id="270" r:id="rId12"/>
+    <p:sldId id="269" r:id="rId13"/>
+    <p:sldId id="271" r:id="rId14"/>
+    <p:sldId id="273" r:id="rId15"/>
+    <p:sldId id="272" r:id="rId16"/>
+    <p:sldId id="260" r:id="rId17"/>
+    <p:sldId id="261" r:id="rId18"/>
   </p:sldIdLst>
   <p:sldSz cx="9144000" cy="5143500" type="screen16x9"/>
   <p:notesSz cx="6858000" cy="9144000"/>
   <p:embeddedFontLst>
     <p:embeddedFont>
+      <p:font typeface="Cutive" charset="0"/>
+      <p:regular r:id="rId20"/>
+    </p:embeddedFont>
+    <p:embeddedFont>
       <p:font typeface="Lato" charset="0"/>
-      <p:regular r:id="rId10"/>
-      <p:bold r:id="rId11"/>
-      <p:italic r:id="rId12"/>
-      <p:boldItalic r:id="rId13"/>
+      <p:regular r:id="rId21"/>
+      <p:bold r:id="rId22"/>
+      <p:italic r:id="rId23"/>
+      <p:boldItalic r:id="rId24"/>
+    </p:embeddedFont>
+    <p:embeddedFont>
+      <p:font typeface="Encode Sans SemiBold" charset="0"/>
+      <p:regular r:id="rId25"/>
+      <p:bold r:id="rId26"/>
     </p:embeddedFont>
     <p:embeddedFont>
       <p:font typeface="Raleway" charset="0"/>
-      <p:regular r:id="rId14"/>
-      <p:bold r:id="rId15"/>
-      <p:italic r:id="rId16"/>
-      <p:boldItalic r:id="rId17"/>
-    </p:embeddedFont>
-    <p:embeddedFont>
-      <p:font typeface="Cutive" charset="0"/>
-      <p:regular r:id="rId18"/>
-    </p:embeddedFont>
-    <p:embeddedFont>
-      <p:font typeface="Encode Sans SemiBold" charset="0"/>
-      <p:regular r:id="rId19"/>
-      <p:bold r:id="rId20"/>
+      <p:regular r:id="rId27"/>
+      <p:bold r:id="rId28"/>
+      <p:italic r:id="rId29"/>
+      <p:boldItalic r:id="rId30"/>
     </p:embeddedFont>
   </p:embeddedFontLst>
   <p:defaultTextStyle>
@@ -274,7 +284,7 @@
   </p:defaultTextStyle>
   <p:extLst>
     <p:ext uri="{EFAFB233-063F-42B5-8137-9DF3F51BA10A}">
-      <p15:sldGuideLst xmlns:p15="http://schemas.microsoft.com/office/powerpoint/2012/main" xmlns:p14="http://schemas.microsoft.com/office/powerpoint/2010/main" xmlns:com="http://schemas.openxmlformats.org/drawingml/2006/compatibility" xmlns:pvml="urn:schemas-microsoft-com:office:powerpoint" xmlns:v="urn:schemas-microsoft-com:vml" xmlns:o="urn:schemas-microsoft-com:office:office" xmlns:dgm="http://schemas.openxmlformats.org/drawingml/2006/diagram" xmlns:c="http://schemas.openxmlformats.org/drawingml/2006/chart" xmlns:mv="urn:schemas-microsoft-com:mac:vml" xmlns:mc="http://schemas.openxmlformats.org/markup-compatibility/2006" xmlns="">
+      <p15:sldGuideLst xmlns="" xmlns:mc="http://schemas.openxmlformats.org/markup-compatibility/2006" xmlns:mv="urn:schemas-microsoft-com:mac:vml" xmlns:c="http://schemas.openxmlformats.org/drawingml/2006/chart" xmlns:dgm="http://schemas.openxmlformats.org/drawingml/2006/diagram" xmlns:o="urn:schemas-microsoft-com:office:office" xmlns:v="urn:schemas-microsoft-com:vml" xmlns:pvml="urn:schemas-microsoft-com:office:powerpoint" xmlns:com="http://schemas.openxmlformats.org/drawingml/2006/compatibility" xmlns:p14="http://schemas.microsoft.com/office/powerpoint/2010/main" xmlns:p15="http://schemas.microsoft.com/office/powerpoint/2012/main">
         <p15:guide id="1" orient="horz" pos="1620">
           <p15:clr>
             <a:srgbClr val="A4A3A4"/>
@@ -1182,7 +1192,7 @@
         </p:nvSpPr>
         <p:spPr>
           <a:xfrm>
-            <a:off x="381300" y="685800"/>
+            <a:off x="381000" y="685800"/>
             <a:ext cx="6096000" cy="3429000"/>
           </a:xfrm>
           <a:custGeom>
@@ -9340,6 +9350,1249 @@
 </p:sld>
 </file>
 
+<file path=ppt/slides/slide10.xml><?xml version="1.0" encoding="utf-8"?>
+<p:sld xmlns:a="http://schemas.openxmlformats.org/drawingml/2006/main" xmlns:r="http://schemas.openxmlformats.org/officeDocument/2006/relationships" xmlns:p="http://schemas.openxmlformats.org/presentationml/2006/main">
+  <p:cSld>
+    <p:spTree>
+      <p:nvGrpSpPr>
+        <p:cNvPr id="1" name=""/>
+        <p:cNvGrpSpPr/>
+        <p:nvPr/>
+      </p:nvGrpSpPr>
+      <p:grpSpPr>
+        <a:xfrm>
+          <a:off x="0" y="0"/>
+          <a:ext cx="0" cy="0"/>
+          <a:chOff x="0" y="0"/>
+          <a:chExt cx="0" cy="0"/>
+        </a:xfrm>
+      </p:grpSpPr>
+      <p:sp>
+        <p:nvSpPr>
+          <p:cNvPr id="2" name="Title 1"/>
+          <p:cNvSpPr>
+            <a:spLocks noGrp="1"/>
+          </p:cNvSpPr>
+          <p:nvPr>
+            <p:ph type="title"/>
+          </p:nvPr>
+        </p:nvSpPr>
+        <p:spPr/>
+        <p:txBody>
+          <a:bodyPr/>
+          <a:lstStyle/>
+          <a:p>
+            <a:r>
+              <a:rPr lang="en" dirty="0"/>
+              <a:t>Results</a:t>
+            </a:r>
+            <a:endParaRPr lang="en-US" dirty="0"/>
+          </a:p>
+        </p:txBody>
+      </p:sp>
+      <p:sp>
+        <p:nvSpPr>
+          <p:cNvPr id="3" name="Text Placeholder 2"/>
+          <p:cNvSpPr>
+            <a:spLocks noGrp="1"/>
+          </p:cNvSpPr>
+          <p:nvPr>
+            <p:ph type="body" idx="1"/>
+          </p:nvPr>
+        </p:nvSpPr>
+        <p:spPr>
+          <a:xfrm>
+            <a:off x="759930" y="1289443"/>
+            <a:ext cx="7688700" cy="728333"/>
+          </a:xfrm>
+        </p:spPr>
+        <p:txBody>
+          <a:bodyPr/>
+          <a:lstStyle/>
+          <a:p>
+            <a:r>
+              <a:rPr lang="en-US" dirty="0"/>
+              <a:t>Distribution of customer Services used by churn customer</a:t>
+            </a:r>
+          </a:p>
+          <a:p>
+            <a:endParaRPr lang="en-US" dirty="0"/>
+          </a:p>
+        </p:txBody>
+      </p:sp>
+      <p:pic>
+        <p:nvPicPr>
+          <p:cNvPr id="4" name="Picture 3"/>
+          <p:cNvPicPr>
+            <a:picLocks noChangeAspect="1"/>
+          </p:cNvPicPr>
+          <p:nvPr/>
+        </p:nvPicPr>
+        <p:blipFill>
+          <a:blip r:embed="rId2">
+            <a:extLst>
+              <a:ext uri="{28A0092B-C50C-407E-A947-70E740481C1C}">
+                <a14:useLocalDpi xmlns:a14="http://schemas.microsoft.com/office/drawing/2010/main" val="0"/>
+              </a:ext>
+            </a:extLst>
+          </a:blip>
+          <a:stretch>
+            <a:fillRect/>
+          </a:stretch>
+        </p:blipFill>
+        <p:spPr>
+          <a:xfrm>
+            <a:off x="79248" y="2280047"/>
+            <a:ext cx="2957812" cy="2058636"/>
+          </a:xfrm>
+          <a:prstGeom prst="rect">
+            <a:avLst/>
+          </a:prstGeom>
+        </p:spPr>
+      </p:pic>
+      <p:pic>
+        <p:nvPicPr>
+          <p:cNvPr id="5" name="Picture 4"/>
+          <p:cNvPicPr>
+            <a:picLocks noChangeAspect="1"/>
+          </p:cNvPicPr>
+          <p:nvPr/>
+        </p:nvPicPr>
+        <p:blipFill>
+          <a:blip r:embed="rId3">
+            <a:extLst>
+              <a:ext uri="{28A0092B-C50C-407E-A947-70E740481C1C}">
+                <a14:useLocalDpi xmlns:a14="http://schemas.microsoft.com/office/drawing/2010/main" val="0"/>
+              </a:ext>
+            </a:extLst>
+          </a:blip>
+          <a:stretch>
+            <a:fillRect/>
+          </a:stretch>
+        </p:blipFill>
+        <p:spPr>
+          <a:xfrm>
+            <a:off x="3037060" y="2243471"/>
+            <a:ext cx="2957812" cy="2058636"/>
+          </a:xfrm>
+          <a:prstGeom prst="rect">
+            <a:avLst/>
+          </a:prstGeom>
+        </p:spPr>
+      </p:pic>
+      <p:pic>
+        <p:nvPicPr>
+          <p:cNvPr id="6" name="Picture 5"/>
+          <p:cNvPicPr>
+            <a:picLocks noChangeAspect="1"/>
+          </p:cNvPicPr>
+          <p:nvPr/>
+        </p:nvPicPr>
+        <p:blipFill>
+          <a:blip r:embed="rId4">
+            <a:extLst>
+              <a:ext uri="{28A0092B-C50C-407E-A947-70E740481C1C}">
+                <a14:useLocalDpi xmlns:a14="http://schemas.microsoft.com/office/drawing/2010/main" val="0"/>
+              </a:ext>
+            </a:extLst>
+          </a:blip>
+          <a:stretch>
+            <a:fillRect/>
+          </a:stretch>
+        </p:blipFill>
+        <p:spPr>
+          <a:xfrm>
+            <a:off x="6013077" y="2280047"/>
+            <a:ext cx="2957812" cy="2058636"/>
+          </a:xfrm>
+          <a:prstGeom prst="rect">
+            <a:avLst/>
+          </a:prstGeom>
+        </p:spPr>
+      </p:pic>
+    </p:spTree>
+    <p:extLst>
+      <p:ext uri="{BB962C8B-B14F-4D97-AF65-F5344CB8AC3E}">
+        <p14:creationId xmlns:p14="http://schemas.microsoft.com/office/powerpoint/2010/main" val="3144414314"/>
+      </p:ext>
+    </p:extLst>
+  </p:cSld>
+  <p:clrMapOvr>
+    <a:masterClrMapping/>
+  </p:clrMapOvr>
+</p:sld>
+</file>
+
+<file path=ppt/slides/slide11.xml><?xml version="1.0" encoding="utf-8"?>
+<p:sld xmlns:a="http://schemas.openxmlformats.org/drawingml/2006/main" xmlns:r="http://schemas.openxmlformats.org/officeDocument/2006/relationships" xmlns:p="http://schemas.openxmlformats.org/presentationml/2006/main">
+  <p:cSld>
+    <p:spTree>
+      <p:nvGrpSpPr>
+        <p:cNvPr id="1" name=""/>
+        <p:cNvGrpSpPr/>
+        <p:nvPr/>
+      </p:nvGrpSpPr>
+      <p:grpSpPr>
+        <a:xfrm>
+          <a:off x="0" y="0"/>
+          <a:ext cx="0" cy="0"/>
+          <a:chOff x="0" y="0"/>
+          <a:chExt cx="0" cy="0"/>
+        </a:xfrm>
+      </p:grpSpPr>
+      <p:sp>
+        <p:nvSpPr>
+          <p:cNvPr id="2" name="Title 1"/>
+          <p:cNvSpPr>
+            <a:spLocks noGrp="1"/>
+          </p:cNvSpPr>
+          <p:nvPr>
+            <p:ph type="title"/>
+          </p:nvPr>
+        </p:nvSpPr>
+        <p:spPr/>
+        <p:txBody>
+          <a:bodyPr/>
+          <a:lstStyle/>
+          <a:p>
+            <a:r>
+              <a:rPr lang="en" dirty="0"/>
+              <a:t>Results</a:t>
+            </a:r>
+            <a:endParaRPr lang="en-US" dirty="0"/>
+          </a:p>
+        </p:txBody>
+      </p:sp>
+      <p:sp>
+        <p:nvSpPr>
+          <p:cNvPr id="3" name="Text Placeholder 2"/>
+          <p:cNvSpPr>
+            <a:spLocks noGrp="1"/>
+          </p:cNvSpPr>
+          <p:nvPr>
+            <p:ph type="body" idx="1"/>
+          </p:nvPr>
+        </p:nvSpPr>
+        <p:spPr>
+          <a:xfrm>
+            <a:off x="729450" y="1298448"/>
+            <a:ext cx="7688700" cy="3438144"/>
+          </a:xfrm>
+        </p:spPr>
+        <p:txBody>
+          <a:bodyPr/>
+          <a:lstStyle/>
+          <a:p>
+            <a:r>
+              <a:rPr lang="en-US" sz="1200" b="1" dirty="0"/>
+              <a:t>T</a:t>
+            </a:r>
+            <a:r>
+              <a:rPr lang="en-US" sz="1200" b="1" dirty="0" smtClean="0"/>
+              <a:t>here </a:t>
+            </a:r>
+            <a:r>
+              <a:rPr lang="en-US" sz="1200" b="1" dirty="0"/>
+              <a:t>are 26.71% of people </a:t>
+            </a:r>
+            <a:r>
+              <a:rPr lang="en-US" sz="1200" b="1" dirty="0" smtClean="0"/>
+              <a:t>that use </a:t>
+            </a:r>
+            <a:r>
+              <a:rPr lang="en-US" sz="1200" b="1" dirty="0"/>
+              <a:t>a phone service Who Churn beside 24.93% that not use </a:t>
+            </a:r>
+            <a:r>
+              <a:rPr lang="en-US" sz="1200" b="1" dirty="0" smtClean="0"/>
+              <a:t>it. </a:t>
+            </a:r>
+            <a:r>
+              <a:rPr lang="en-US" sz="1200" b="1" dirty="0"/>
+              <a:t>T</a:t>
+            </a:r>
+            <a:r>
+              <a:rPr lang="en-US" sz="1200" b="1" dirty="0" smtClean="0"/>
+              <a:t>he </a:t>
+            </a:r>
+            <a:r>
+              <a:rPr lang="en-US" sz="1200" b="1" dirty="0"/>
+              <a:t>difference is not really significant</a:t>
+            </a:r>
+            <a:endParaRPr lang="en-US" sz="1200" b="1" dirty="0"/>
+          </a:p>
+          <a:p>
+            <a:r>
+              <a:rPr lang="en-US" sz="1200" b="1" dirty="0"/>
+              <a:t>I</a:t>
+            </a:r>
+            <a:r>
+              <a:rPr lang="en-US" sz="1200" b="1" dirty="0" smtClean="0"/>
+              <a:t>t </a:t>
+            </a:r>
+            <a:r>
+              <a:rPr lang="en-US" sz="1200" b="1" dirty="0"/>
+              <a:t>seems that there </a:t>
+            </a:r>
+            <a:r>
+              <a:rPr lang="en-US" sz="1200" b="1" dirty="0" smtClean="0"/>
+              <a:t>are </a:t>
+            </a:r>
+            <a:r>
+              <a:rPr lang="en-US" sz="1200" b="1" dirty="0"/>
+              <a:t>more people that use a multiple lines service who Churn : then 28.61</a:t>
+            </a:r>
+            <a:r>
+              <a:rPr lang="en-US" sz="1200" b="1" dirty="0" smtClean="0"/>
+              <a:t>%, though no </a:t>
+            </a:r>
+            <a:r>
+              <a:rPr lang="en-US" sz="1200" b="1" dirty="0"/>
+              <a:t>great </a:t>
+            </a:r>
+            <a:r>
+              <a:rPr lang="en-US" sz="1200" b="1" dirty="0" smtClean="0"/>
+              <a:t>difference</a:t>
+            </a:r>
+            <a:endParaRPr lang="en-US" sz="1200" b="1" dirty="0"/>
+          </a:p>
+          <a:p>
+            <a:r>
+              <a:rPr lang="en-US" sz="1200" b="1" dirty="0"/>
+              <a:t>P</a:t>
+            </a:r>
+            <a:r>
+              <a:rPr lang="en-US" sz="1200" b="1" dirty="0" smtClean="0"/>
+              <a:t>eople </a:t>
+            </a:r>
+            <a:r>
+              <a:rPr lang="en-US" sz="1200" b="1" dirty="0"/>
+              <a:t>that use a fiber optic are more to Churn, there are 41.9% of customer that use fiber optic as internet service who </a:t>
+            </a:r>
+            <a:r>
+              <a:rPr lang="en-US" sz="1200" b="1" dirty="0" smtClean="0"/>
+              <a:t>churn.</a:t>
+            </a:r>
+            <a:endParaRPr lang="en-US" sz="1200" b="1" dirty="0"/>
+          </a:p>
+          <a:p>
+            <a:r>
+              <a:rPr lang="en-US" sz="1200" b="1" dirty="0"/>
+              <a:t>41.77% of customer who don't use a online security are churn </a:t>
+            </a:r>
+            <a:r>
+              <a:rPr lang="en-US" sz="1200" b="1" dirty="0" smtClean="0"/>
+              <a:t>customer</a:t>
+            </a:r>
+          </a:p>
+          <a:p>
+            <a:r>
+              <a:rPr lang="en-US" sz="1200" b="1" dirty="0"/>
+              <a:t>39.93% of customer who don't use an online </a:t>
+            </a:r>
+            <a:r>
+              <a:rPr lang="en-US" sz="1200" b="1" dirty="0" smtClean="0"/>
+              <a:t>backup </a:t>
+            </a:r>
+            <a:r>
+              <a:rPr lang="en-US" sz="1200" b="1" dirty="0"/>
+              <a:t>are churn customer</a:t>
+            </a:r>
+          </a:p>
+          <a:p>
+            <a:r>
+              <a:rPr lang="en-US" sz="1200" b="1" dirty="0"/>
+              <a:t>C</a:t>
+            </a:r>
+            <a:r>
+              <a:rPr lang="en-US" sz="1200" b="1" dirty="0" smtClean="0"/>
+              <a:t>ustomer </a:t>
+            </a:r>
+            <a:r>
+              <a:rPr lang="en-US" sz="1200" b="1" dirty="0"/>
+              <a:t>who don't use an device protection are more to churn, 39.13% of customer who don't use an device protection churn</a:t>
+            </a:r>
+          </a:p>
+          <a:p>
+            <a:r>
+              <a:rPr lang="en-US" sz="1200" b="1" dirty="0"/>
+              <a:t>Customer who don't have the service of tech Support are more to churn , 41.64% of customer who don't have an tech support are churn customer.</a:t>
+            </a:r>
+          </a:p>
+          <a:p>
+            <a:r>
+              <a:rPr lang="en-US" sz="1200" b="1" dirty="0"/>
+              <a:t>C</a:t>
+            </a:r>
+            <a:r>
+              <a:rPr lang="en-US" sz="1200" b="1" dirty="0" smtClean="0"/>
+              <a:t>ustomer </a:t>
+            </a:r>
+            <a:r>
+              <a:rPr lang="en-US" sz="1200" b="1" dirty="0"/>
+              <a:t>who not use streaming TV are more to churn than customer who use it, though the difference is not really great, 33.52% and 30.07 </a:t>
+            </a:r>
+            <a:r>
+              <a:rPr lang="en-US" sz="1200" b="1" dirty="0" smtClean="0"/>
+              <a:t>respectively</a:t>
+            </a:r>
+          </a:p>
+          <a:p>
+            <a:r>
+              <a:rPr lang="en-US" sz="1200" b="1" dirty="0"/>
+              <a:t>customer who not use </a:t>
+            </a:r>
+            <a:r>
+              <a:rPr lang="en-US" sz="1200" b="1" dirty="0" smtClean="0"/>
+              <a:t>streaming Movies </a:t>
+            </a:r>
+            <a:r>
+              <a:rPr lang="en-US" sz="1200" b="1" dirty="0"/>
+              <a:t>are more to churn than customer who use it, though the difference is not really great, </a:t>
+            </a:r>
+            <a:r>
+              <a:rPr lang="en-US" sz="1200" b="1" dirty="0" smtClean="0"/>
+              <a:t>33.68% </a:t>
+            </a:r>
+            <a:r>
+              <a:rPr lang="en-US" sz="1200" b="1" dirty="0"/>
+              <a:t>and </a:t>
+            </a:r>
+            <a:r>
+              <a:rPr lang="en-US" sz="1200" b="1" dirty="0" smtClean="0"/>
+              <a:t>29.44% respectively</a:t>
+            </a:r>
+            <a:endParaRPr lang="en-US" sz="1200" b="1" dirty="0"/>
+          </a:p>
+          <a:p>
+            <a:endParaRPr lang="en-US" sz="1200" b="1" dirty="0" smtClean="0"/>
+          </a:p>
+          <a:p>
+            <a:endParaRPr lang="en-US" b="1" dirty="0"/>
+          </a:p>
+          <a:p>
+            <a:endParaRPr lang="en-US" b="1" dirty="0" smtClean="0"/>
+          </a:p>
+          <a:p>
+            <a:endParaRPr lang="en-US" b="1" dirty="0"/>
+          </a:p>
+          <a:p>
+            <a:endParaRPr lang="en-US" dirty="0"/>
+          </a:p>
+        </p:txBody>
+      </p:sp>
+    </p:spTree>
+    <p:extLst>
+      <p:ext uri="{BB962C8B-B14F-4D97-AF65-F5344CB8AC3E}">
+        <p14:creationId xmlns:p14="http://schemas.microsoft.com/office/powerpoint/2010/main" val="2177968528"/>
+      </p:ext>
+    </p:extLst>
+  </p:cSld>
+  <p:clrMapOvr>
+    <a:masterClrMapping/>
+  </p:clrMapOvr>
+</p:sld>
+</file>
+
+<file path=ppt/slides/slide12.xml><?xml version="1.0" encoding="utf-8"?>
+<p:sld xmlns:a="http://schemas.openxmlformats.org/drawingml/2006/main" xmlns:r="http://schemas.openxmlformats.org/officeDocument/2006/relationships" xmlns:p="http://schemas.openxmlformats.org/presentationml/2006/main">
+  <p:cSld>
+    <p:spTree>
+      <p:nvGrpSpPr>
+        <p:cNvPr id="1" name=""/>
+        <p:cNvGrpSpPr/>
+        <p:nvPr/>
+      </p:nvGrpSpPr>
+      <p:grpSpPr>
+        <a:xfrm>
+          <a:off x="0" y="0"/>
+          <a:ext cx="0" cy="0"/>
+          <a:chOff x="0" y="0"/>
+          <a:chExt cx="0" cy="0"/>
+        </a:xfrm>
+      </p:grpSpPr>
+      <p:sp>
+        <p:nvSpPr>
+          <p:cNvPr id="2" name="Title 1"/>
+          <p:cNvSpPr>
+            <a:spLocks noGrp="1"/>
+          </p:cNvSpPr>
+          <p:nvPr>
+            <p:ph type="title"/>
+          </p:nvPr>
+        </p:nvSpPr>
+        <p:spPr/>
+        <p:txBody>
+          <a:bodyPr/>
+          <a:lstStyle/>
+          <a:p>
+            <a:r>
+              <a:rPr lang="en" dirty="0"/>
+              <a:t>Results</a:t>
+            </a:r>
+            <a:endParaRPr lang="en-US" dirty="0"/>
+          </a:p>
+        </p:txBody>
+      </p:sp>
+      <p:sp>
+        <p:nvSpPr>
+          <p:cNvPr id="3" name="Text Placeholder 2"/>
+          <p:cNvSpPr>
+            <a:spLocks noGrp="1"/>
+          </p:cNvSpPr>
+          <p:nvPr>
+            <p:ph type="body" idx="1"/>
+          </p:nvPr>
+        </p:nvSpPr>
+        <p:spPr>
+          <a:xfrm>
+            <a:off x="729450" y="1326019"/>
+            <a:ext cx="7688700" cy="569837"/>
+          </a:xfrm>
+        </p:spPr>
+        <p:txBody>
+          <a:bodyPr/>
+          <a:lstStyle/>
+          <a:p>
+            <a:r>
+              <a:rPr lang="en-US" dirty="0" smtClean="0"/>
+              <a:t>Distribution of customer </a:t>
+            </a:r>
+            <a:r>
+              <a:rPr lang="en-US" dirty="0"/>
+              <a:t>Billing </a:t>
+            </a:r>
+            <a:r>
+              <a:rPr lang="en-US" dirty="0" smtClean="0"/>
+              <a:t>information by churn customer</a:t>
+            </a:r>
+            <a:endParaRPr lang="en-US" dirty="0"/>
+          </a:p>
+        </p:txBody>
+      </p:sp>
+      <p:pic>
+        <p:nvPicPr>
+          <p:cNvPr id="4" name="Picture 3"/>
+          <p:cNvPicPr>
+            <a:picLocks noChangeAspect="1"/>
+          </p:cNvPicPr>
+          <p:nvPr/>
+        </p:nvPicPr>
+        <p:blipFill>
+          <a:blip r:embed="rId2">
+            <a:extLst>
+              <a:ext uri="{28A0092B-C50C-407E-A947-70E740481C1C}">
+                <a14:useLocalDpi xmlns:a14="http://schemas.microsoft.com/office/drawing/2010/main" val="0"/>
+              </a:ext>
+            </a:extLst>
+          </a:blip>
+          <a:stretch>
+            <a:fillRect/>
+          </a:stretch>
+        </p:blipFill>
+        <p:spPr>
+          <a:xfrm>
+            <a:off x="86930" y="2188607"/>
+            <a:ext cx="2957812" cy="2058636"/>
+          </a:xfrm>
+          <a:prstGeom prst="rect">
+            <a:avLst/>
+          </a:prstGeom>
+        </p:spPr>
+      </p:pic>
+      <p:pic>
+        <p:nvPicPr>
+          <p:cNvPr id="5" name="Picture 4"/>
+          <p:cNvPicPr>
+            <a:picLocks noChangeAspect="1"/>
+          </p:cNvPicPr>
+          <p:nvPr/>
+        </p:nvPicPr>
+        <p:blipFill>
+          <a:blip r:embed="rId3">
+            <a:extLst>
+              <a:ext uri="{28A0092B-C50C-407E-A947-70E740481C1C}">
+                <a14:useLocalDpi xmlns:a14="http://schemas.microsoft.com/office/drawing/2010/main" val="0"/>
+              </a:ext>
+            </a:extLst>
+          </a:blip>
+          <a:stretch>
+            <a:fillRect/>
+          </a:stretch>
+        </p:blipFill>
+        <p:spPr>
+          <a:xfrm>
+            <a:off x="3123573" y="2188607"/>
+            <a:ext cx="2957812" cy="2058636"/>
+          </a:xfrm>
+          <a:prstGeom prst="rect">
+            <a:avLst/>
+          </a:prstGeom>
+        </p:spPr>
+      </p:pic>
+      <p:pic>
+        <p:nvPicPr>
+          <p:cNvPr id="6" name="Picture 5"/>
+          <p:cNvPicPr>
+            <a:picLocks noChangeAspect="1"/>
+          </p:cNvPicPr>
+          <p:nvPr/>
+        </p:nvPicPr>
+        <p:blipFill>
+          <a:blip r:embed="rId4">
+            <a:extLst>
+              <a:ext uri="{28A0092B-C50C-407E-A947-70E740481C1C}">
+                <a14:useLocalDpi xmlns:a14="http://schemas.microsoft.com/office/drawing/2010/main" val="0"/>
+              </a:ext>
+            </a:extLst>
+          </a:blip>
+          <a:stretch>
+            <a:fillRect/>
+          </a:stretch>
+        </p:blipFill>
+        <p:spPr>
+          <a:xfrm>
+            <a:off x="6079707" y="2152031"/>
+            <a:ext cx="2918375" cy="2058636"/>
+          </a:xfrm>
+          <a:prstGeom prst="rect">
+            <a:avLst/>
+          </a:prstGeom>
+        </p:spPr>
+      </p:pic>
+    </p:spTree>
+    <p:extLst>
+      <p:ext uri="{BB962C8B-B14F-4D97-AF65-F5344CB8AC3E}">
+        <p14:creationId xmlns:p14="http://schemas.microsoft.com/office/powerpoint/2010/main" val="3541157195"/>
+      </p:ext>
+    </p:extLst>
+  </p:cSld>
+  <p:clrMapOvr>
+    <a:masterClrMapping/>
+  </p:clrMapOvr>
+</p:sld>
+</file>
+
+<file path=ppt/slides/slide13.xml><?xml version="1.0" encoding="utf-8"?>
+<p:sld xmlns:a="http://schemas.openxmlformats.org/drawingml/2006/main" xmlns:r="http://schemas.openxmlformats.org/officeDocument/2006/relationships" xmlns:p="http://schemas.openxmlformats.org/presentationml/2006/main">
+  <p:cSld>
+    <p:spTree>
+      <p:nvGrpSpPr>
+        <p:cNvPr id="1" name=""/>
+        <p:cNvGrpSpPr/>
+        <p:nvPr/>
+      </p:nvGrpSpPr>
+      <p:grpSpPr>
+        <a:xfrm>
+          <a:off x="0" y="0"/>
+          <a:ext cx="0" cy="0"/>
+          <a:chOff x="0" y="0"/>
+          <a:chExt cx="0" cy="0"/>
+        </a:xfrm>
+      </p:grpSpPr>
+      <p:sp>
+        <p:nvSpPr>
+          <p:cNvPr id="2" name="Title 1"/>
+          <p:cNvSpPr>
+            <a:spLocks noGrp="1"/>
+          </p:cNvSpPr>
+          <p:nvPr>
+            <p:ph type="title"/>
+          </p:nvPr>
+        </p:nvSpPr>
+        <p:spPr/>
+        <p:txBody>
+          <a:bodyPr/>
+          <a:lstStyle/>
+          <a:p>
+            <a:r>
+              <a:rPr lang="en" dirty="0"/>
+              <a:t>Results</a:t>
+            </a:r>
+            <a:endParaRPr lang="en-US" dirty="0"/>
+          </a:p>
+        </p:txBody>
+      </p:sp>
+      <p:sp>
+        <p:nvSpPr>
+          <p:cNvPr id="3" name="Text Placeholder 2"/>
+          <p:cNvSpPr>
+            <a:spLocks noGrp="1"/>
+          </p:cNvSpPr>
+          <p:nvPr>
+            <p:ph type="body" idx="1"/>
+          </p:nvPr>
+        </p:nvSpPr>
+        <p:spPr/>
+        <p:txBody>
+          <a:bodyPr/>
+          <a:lstStyle/>
+          <a:p>
+            <a:r>
+              <a:rPr lang="en-US" b="1" dirty="0" smtClean="0"/>
+              <a:t>42.71</a:t>
+            </a:r>
+            <a:r>
+              <a:rPr lang="en-US" b="1" dirty="0"/>
+              <a:t>% of customer that have an contract of month to month are churn customer, a people that have an contract of two years are less to churn, which is </a:t>
+            </a:r>
+            <a:r>
+              <a:rPr lang="en-US" b="1" dirty="0" smtClean="0"/>
+              <a:t>understandable.</a:t>
+            </a:r>
+          </a:p>
+          <a:p>
+            <a:r>
+              <a:rPr lang="en-US" b="1" dirty="0"/>
+              <a:t>33.57% of customer who use paperless Billing are churn customer</a:t>
+            </a:r>
+          </a:p>
+          <a:p>
+            <a:r>
+              <a:rPr lang="en-US" b="1" dirty="0"/>
+              <a:t>we can see now 45.29% of customer who use electronic check as payment method are churn </a:t>
+            </a:r>
+            <a:r>
+              <a:rPr lang="en-US" b="1" dirty="0" err="1" smtClean="0"/>
+              <a:t>custommer</a:t>
+            </a:r>
+            <a:endParaRPr lang="en-US" b="1" dirty="0"/>
+          </a:p>
+          <a:p>
+            <a:endParaRPr lang="en-US" dirty="0"/>
+          </a:p>
+        </p:txBody>
+      </p:sp>
+    </p:spTree>
+    <p:extLst>
+      <p:ext uri="{BB962C8B-B14F-4D97-AF65-F5344CB8AC3E}">
+        <p14:creationId xmlns:p14="http://schemas.microsoft.com/office/powerpoint/2010/main" val="3827588687"/>
+      </p:ext>
+    </p:extLst>
+  </p:cSld>
+  <p:clrMapOvr>
+    <a:masterClrMapping/>
+  </p:clrMapOvr>
+</p:sld>
+</file>
+
+<file path=ppt/slides/slide14.xml><?xml version="1.0" encoding="utf-8"?>
+<p:sld xmlns:a="http://schemas.openxmlformats.org/drawingml/2006/main" xmlns:r="http://schemas.openxmlformats.org/officeDocument/2006/relationships" xmlns:p="http://schemas.openxmlformats.org/presentationml/2006/main">
+  <p:cSld>
+    <p:spTree>
+      <p:nvGrpSpPr>
+        <p:cNvPr id="1" name=""/>
+        <p:cNvGrpSpPr/>
+        <p:nvPr/>
+      </p:nvGrpSpPr>
+      <p:grpSpPr>
+        <a:xfrm>
+          <a:off x="0" y="0"/>
+          <a:ext cx="0" cy="0"/>
+          <a:chOff x="0" y="0"/>
+          <a:chExt cx="0" cy="0"/>
+        </a:xfrm>
+      </p:grpSpPr>
+      <p:sp>
+        <p:nvSpPr>
+          <p:cNvPr id="2" name="Title 1"/>
+          <p:cNvSpPr>
+            <a:spLocks noGrp="1"/>
+          </p:cNvSpPr>
+          <p:nvPr>
+            <p:ph type="title"/>
+          </p:nvPr>
+        </p:nvSpPr>
+        <p:spPr/>
+        <p:txBody>
+          <a:bodyPr/>
+          <a:lstStyle/>
+          <a:p>
+            <a:r>
+              <a:rPr lang="en-US" dirty="0" smtClean="0"/>
+              <a:t>Result</a:t>
+            </a:r>
+            <a:endParaRPr lang="en-US" dirty="0"/>
+          </a:p>
+        </p:txBody>
+      </p:sp>
+      <p:sp>
+        <p:nvSpPr>
+          <p:cNvPr id="3" name="Text Placeholder 2"/>
+          <p:cNvSpPr>
+            <a:spLocks noGrp="1"/>
+          </p:cNvSpPr>
+          <p:nvPr>
+            <p:ph type="body" idx="1"/>
+          </p:nvPr>
+        </p:nvSpPr>
+        <p:spPr>
+          <a:xfrm>
+            <a:off x="729450" y="1258963"/>
+            <a:ext cx="7688700" cy="789293"/>
+          </a:xfrm>
+        </p:spPr>
+        <p:txBody>
+          <a:bodyPr/>
+          <a:lstStyle/>
+          <a:p>
+            <a:r>
+              <a:rPr lang="en-US" dirty="0" smtClean="0"/>
+              <a:t>Based on my model of decision tree we can see ‘</a:t>
+            </a:r>
+            <a:r>
+              <a:rPr lang="en-US" dirty="0"/>
+              <a:t>“</a:t>
+            </a:r>
+            <a:r>
+              <a:rPr lang="en-US" dirty="0" err="1" smtClean="0"/>
+              <a:t>ContractMonth</a:t>
+            </a:r>
+            <a:r>
+              <a:rPr lang="en-US" dirty="0" smtClean="0"/>
+              <a:t>-to-month’  has a real impact on </a:t>
+            </a:r>
+            <a:r>
+              <a:rPr lang="en-US" dirty="0"/>
+              <a:t>our predicted </a:t>
+            </a:r>
+            <a:r>
+              <a:rPr lang="en-US" dirty="0" smtClean="0"/>
+              <a:t>variable, </a:t>
+            </a:r>
+            <a:r>
+              <a:rPr lang="en-US" dirty="0"/>
+              <a:t> which means that customers with this type of contract are very </a:t>
+            </a:r>
+            <a:r>
+              <a:rPr lang="en-US" dirty="0" smtClean="0"/>
+              <a:t>likely </a:t>
+            </a:r>
+            <a:r>
+              <a:rPr lang="en-US" dirty="0"/>
+              <a:t>to churn</a:t>
+            </a:r>
+            <a:r>
+              <a:rPr lang="en-US" dirty="0" smtClean="0"/>
+              <a:t>. Also we can see customer that use fiber optic as internet service are </a:t>
+            </a:r>
+            <a:r>
+              <a:rPr lang="en-US" dirty="0"/>
+              <a:t>very </a:t>
+            </a:r>
+            <a:r>
+              <a:rPr lang="en-US" dirty="0" smtClean="0"/>
+              <a:t>unlikely </a:t>
+            </a:r>
+            <a:r>
+              <a:rPr lang="en-US" dirty="0"/>
+              <a:t>to </a:t>
+            </a:r>
+            <a:r>
+              <a:rPr lang="en-US" dirty="0" smtClean="0"/>
+              <a:t>churn.</a:t>
+            </a:r>
+            <a:endParaRPr lang="en-US" dirty="0"/>
+          </a:p>
+        </p:txBody>
+      </p:sp>
+      <p:pic>
+        <p:nvPicPr>
+          <p:cNvPr id="4" name="Picture 3"/>
+          <p:cNvPicPr>
+            <a:picLocks noChangeAspect="1"/>
+          </p:cNvPicPr>
+          <p:nvPr/>
+        </p:nvPicPr>
+        <p:blipFill>
+          <a:blip r:embed="rId2">
+            <a:extLst>
+              <a:ext uri="{28A0092B-C50C-407E-A947-70E740481C1C}">
+                <a14:useLocalDpi xmlns:a14="http://schemas.microsoft.com/office/drawing/2010/main" val="0"/>
+              </a:ext>
+            </a:extLst>
+          </a:blip>
+          <a:stretch>
+            <a:fillRect/>
+          </a:stretch>
+        </p:blipFill>
+        <p:spPr>
+          <a:xfrm>
+            <a:off x="1963882" y="2254897"/>
+            <a:ext cx="5216236" cy="2486891"/>
+          </a:xfrm>
+          <a:prstGeom prst="rect">
+            <a:avLst/>
+          </a:prstGeom>
+        </p:spPr>
+      </p:pic>
+    </p:spTree>
+    <p:extLst>
+      <p:ext uri="{BB962C8B-B14F-4D97-AF65-F5344CB8AC3E}">
+        <p14:creationId xmlns:p14="http://schemas.microsoft.com/office/powerpoint/2010/main" val="1998618866"/>
+      </p:ext>
+    </p:extLst>
+  </p:cSld>
+  <p:clrMapOvr>
+    <a:masterClrMapping/>
+  </p:clrMapOvr>
+</p:sld>
+</file>
+
+<file path=ppt/slides/slide15.xml><?xml version="1.0" encoding="utf-8"?>
+<p:sld xmlns:a="http://schemas.openxmlformats.org/drawingml/2006/main" xmlns:r="http://schemas.openxmlformats.org/officeDocument/2006/relationships" xmlns:p="http://schemas.openxmlformats.org/presentationml/2006/main">
+  <p:cSld>
+    <p:spTree>
+      <p:nvGrpSpPr>
+        <p:cNvPr id="1" name=""/>
+        <p:cNvGrpSpPr/>
+        <p:nvPr/>
+      </p:nvGrpSpPr>
+      <p:grpSpPr>
+        <a:xfrm>
+          <a:off x="0" y="0"/>
+          <a:ext cx="0" cy="0"/>
+          <a:chOff x="0" y="0"/>
+          <a:chExt cx="0" cy="0"/>
+        </a:xfrm>
+      </p:grpSpPr>
+      <p:sp>
+        <p:nvSpPr>
+          <p:cNvPr id="2" name="Title 1"/>
+          <p:cNvSpPr>
+            <a:spLocks noGrp="1"/>
+          </p:cNvSpPr>
+          <p:nvPr>
+            <p:ph type="title"/>
+          </p:nvPr>
+        </p:nvSpPr>
+        <p:spPr/>
+        <p:txBody>
+          <a:bodyPr/>
+          <a:lstStyle/>
+          <a:p>
+            <a:r>
+              <a:rPr lang="en" dirty="0"/>
+              <a:t>Discussion &amp; Recommendations</a:t>
+            </a:r>
+            <a:endParaRPr lang="en-US" dirty="0"/>
+          </a:p>
+        </p:txBody>
+      </p:sp>
+      <p:sp>
+        <p:nvSpPr>
+          <p:cNvPr id="3" name="Text Placeholder 2"/>
+          <p:cNvSpPr>
+            <a:spLocks noGrp="1"/>
+          </p:cNvSpPr>
+          <p:nvPr>
+            <p:ph type="body" idx="1"/>
+          </p:nvPr>
+        </p:nvSpPr>
+        <p:spPr/>
+        <p:txBody>
+          <a:bodyPr/>
+          <a:lstStyle/>
+          <a:p>
+            <a:endParaRPr lang="en-US" dirty="0"/>
+          </a:p>
+        </p:txBody>
+      </p:sp>
+    </p:spTree>
+    <p:extLst>
+      <p:ext uri="{BB962C8B-B14F-4D97-AF65-F5344CB8AC3E}">
+        <p14:creationId xmlns:p14="http://schemas.microsoft.com/office/powerpoint/2010/main" val="238995807"/>
+      </p:ext>
+    </p:extLst>
+  </p:cSld>
+  <p:clrMapOvr>
+    <a:masterClrMapping/>
+  </p:clrMapOvr>
+</p:sld>
+</file>
+
+<file path=ppt/slides/slide16.xml><?xml version="1.0" encoding="utf-8"?>
+<p:sld xmlns:a="http://schemas.openxmlformats.org/drawingml/2006/main" xmlns:r="http://schemas.openxmlformats.org/officeDocument/2006/relationships" xmlns:p="http://schemas.openxmlformats.org/presentationml/2006/main">
+  <p:cSld>
+    <p:spTree>
+      <p:nvGrpSpPr>
+        <p:cNvPr id="1" name="Shape 130"/>
+        <p:cNvGrpSpPr/>
+        <p:nvPr/>
+      </p:nvGrpSpPr>
+      <p:grpSpPr>
+        <a:xfrm>
+          <a:off x="0" y="0"/>
+          <a:ext cx="0" cy="0"/>
+          <a:chOff x="0" y="0"/>
+          <a:chExt cx="0" cy="0"/>
+        </a:xfrm>
+      </p:grpSpPr>
+      <p:sp>
+        <p:nvSpPr>
+          <p:cNvPr id="131" name="Google Shape;131;p18"/>
+          <p:cNvSpPr txBox="1">
+            <a:spLocks noGrp="1"/>
+          </p:cNvSpPr>
+          <p:nvPr>
+            <p:ph type="title"/>
+          </p:nvPr>
+        </p:nvSpPr>
+        <p:spPr>
+          <a:xfrm>
+            <a:off x="729450" y="785250"/>
+            <a:ext cx="7688700" cy="535200"/>
+          </a:xfrm>
+          <a:prstGeom prst="rect">
+            <a:avLst/>
+          </a:prstGeom>
+        </p:spPr>
+        <p:txBody>
+          <a:bodyPr spcFirstLastPara="1" wrap="square" lIns="91425" tIns="91425" rIns="91425" bIns="91425" anchor="t" anchorCtr="0">
+            <a:noAutofit/>
+          </a:bodyPr>
+          <a:lstStyle/>
+          <a:p>
+            <a:pPr marL="0" lvl="0" indent="0" algn="l" rtl="0">
+              <a:spcBef>
+                <a:spcPts val="0"/>
+              </a:spcBef>
+              <a:spcAft>
+                <a:spcPts val="0"/>
+              </a:spcAft>
+              <a:buNone/>
+            </a:pPr>
+            <a:r>
+              <a:rPr lang="en" dirty="0"/>
+              <a:t>Discussion &amp; Recommendations</a:t>
+            </a:r>
+            <a:endParaRPr dirty="0"/>
+          </a:p>
+        </p:txBody>
+      </p:sp>
+      <p:sp>
+        <p:nvSpPr>
+          <p:cNvPr id="132" name="Google Shape;132;p18"/>
+          <p:cNvSpPr txBox="1">
+            <a:spLocks noGrp="1"/>
+          </p:cNvSpPr>
+          <p:nvPr>
+            <p:ph type="body" idx="1"/>
+          </p:nvPr>
+        </p:nvSpPr>
+        <p:spPr>
+          <a:xfrm>
+            <a:off x="729450" y="1545475"/>
+            <a:ext cx="7688700" cy="2261100"/>
+          </a:xfrm>
+          <a:prstGeom prst="rect">
+            <a:avLst/>
+          </a:prstGeom>
+        </p:spPr>
+        <p:txBody>
+          <a:bodyPr spcFirstLastPara="1" wrap="square" lIns="91425" tIns="91425" rIns="91425" bIns="91425" anchor="t" anchorCtr="0">
+            <a:noAutofit/>
+          </a:bodyPr>
+          <a:lstStyle/>
+          <a:p>
+            <a:pPr marL="0" lvl="0" indent="0" algn="l" rtl="0">
+              <a:spcBef>
+                <a:spcPts val="0"/>
+              </a:spcBef>
+              <a:spcAft>
+                <a:spcPts val="0"/>
+              </a:spcAft>
+              <a:buNone/>
+            </a:pPr>
+            <a:endParaRPr sz="1600" dirty="0"/>
+          </a:p>
+        </p:txBody>
+      </p:sp>
+    </p:spTree>
+  </p:cSld>
+  <p:clrMapOvr>
+    <a:masterClrMapping/>
+  </p:clrMapOvr>
+</p:sld>
+</file>
+
+<file path=ppt/slides/slide17.xml><?xml version="1.0" encoding="utf-8"?>
+<p:sld xmlns:a="http://schemas.openxmlformats.org/drawingml/2006/main" xmlns:r="http://schemas.openxmlformats.org/officeDocument/2006/relationships" xmlns:p="http://schemas.openxmlformats.org/presentationml/2006/main">
+  <p:cSld>
+    <p:spTree>
+      <p:nvGrpSpPr>
+        <p:cNvPr id="1" name="Shape 136"/>
+        <p:cNvGrpSpPr/>
+        <p:nvPr/>
+      </p:nvGrpSpPr>
+      <p:grpSpPr>
+        <a:xfrm>
+          <a:off x="0" y="0"/>
+          <a:ext cx="0" cy="0"/>
+          <a:chOff x="0" y="0"/>
+          <a:chExt cx="0" cy="0"/>
+        </a:xfrm>
+      </p:grpSpPr>
+      <p:sp>
+        <p:nvSpPr>
+          <p:cNvPr id="137" name="Google Shape;137;p19"/>
+          <p:cNvSpPr txBox="1">
+            <a:spLocks noGrp="1"/>
+          </p:cNvSpPr>
+          <p:nvPr>
+            <p:ph type="title"/>
+          </p:nvPr>
+        </p:nvSpPr>
+        <p:spPr>
+          <a:xfrm>
+            <a:off x="729450" y="785250"/>
+            <a:ext cx="7688700" cy="535200"/>
+          </a:xfrm>
+          <a:prstGeom prst="rect">
+            <a:avLst/>
+          </a:prstGeom>
+        </p:spPr>
+        <p:txBody>
+          <a:bodyPr spcFirstLastPara="1" wrap="square" lIns="91425" tIns="91425" rIns="91425" bIns="91425" anchor="t" anchorCtr="0">
+            <a:noAutofit/>
+          </a:bodyPr>
+          <a:lstStyle/>
+          <a:p>
+            <a:pPr marL="0" lvl="0" indent="0" algn="l" rtl="0">
+              <a:spcBef>
+                <a:spcPts val="0"/>
+              </a:spcBef>
+              <a:spcAft>
+                <a:spcPts val="0"/>
+              </a:spcAft>
+              <a:buNone/>
+            </a:pPr>
+            <a:r>
+              <a:rPr lang="en"/>
+              <a:t>References &amp; Appendices</a:t>
+            </a:r>
+            <a:endParaRPr/>
+          </a:p>
+        </p:txBody>
+      </p:sp>
+      <p:sp>
+        <p:nvSpPr>
+          <p:cNvPr id="138" name="Google Shape;138;p19"/>
+          <p:cNvSpPr txBox="1">
+            <a:spLocks noGrp="1"/>
+          </p:cNvSpPr>
+          <p:nvPr>
+            <p:ph type="body" idx="1"/>
+          </p:nvPr>
+        </p:nvSpPr>
+        <p:spPr>
+          <a:xfrm>
+            <a:off x="729450" y="1545475"/>
+            <a:ext cx="7688700" cy="2261100"/>
+          </a:xfrm>
+          <a:prstGeom prst="rect">
+            <a:avLst/>
+          </a:prstGeom>
+        </p:spPr>
+        <p:txBody>
+          <a:bodyPr spcFirstLastPara="1" wrap="square" lIns="91425" tIns="91425" rIns="91425" bIns="91425" anchor="t" anchorCtr="0">
+            <a:noAutofit/>
+          </a:bodyPr>
+          <a:lstStyle/>
+          <a:p>
+            <a:pPr marL="0" lvl="0" indent="0">
+              <a:spcBef>
+                <a:spcPts val="1600"/>
+              </a:spcBef>
+              <a:buNone/>
+            </a:pPr>
+            <a:r>
+              <a:rPr lang="en-US" sz="1600" dirty="0">
+                <a:hlinkClick r:id="rId3"/>
+              </a:rPr>
+              <a:t>https://</a:t>
+            </a:r>
+            <a:r>
+              <a:rPr lang="en-US" sz="1600" dirty="0" smtClean="0">
+                <a:hlinkClick r:id="rId3"/>
+              </a:rPr>
+              <a:t>github.com/B1o0b1/Customer-Churn-Analysis</a:t>
+            </a:r>
+            <a:endParaRPr lang="en-US" sz="1600" dirty="0" smtClean="0"/>
+          </a:p>
+          <a:p>
+            <a:pPr marL="0" lvl="0" indent="0">
+              <a:spcBef>
+                <a:spcPts val="1600"/>
+              </a:spcBef>
+              <a:buNone/>
+            </a:pPr>
+            <a:r>
+              <a:rPr lang="en-US" sz="1600" dirty="0">
+                <a:hlinkClick r:id="rId4"/>
+              </a:rPr>
+              <a:t>https://www.bullhorn.com/blog/2016/09/4-ways-customer-churn-hurts-business</a:t>
+            </a:r>
+            <a:r>
+              <a:rPr lang="en-US" sz="1600" dirty="0" smtClean="0">
+                <a:hlinkClick r:id="rId4"/>
+              </a:rPr>
+              <a:t>/</a:t>
+            </a:r>
+            <a:endParaRPr lang="en-US" sz="1600" dirty="0" smtClean="0"/>
+          </a:p>
+          <a:p>
+            <a:pPr marL="0" lvl="0" indent="0">
+              <a:spcBef>
+                <a:spcPts val="1600"/>
+              </a:spcBef>
+              <a:buNone/>
+            </a:pPr>
+            <a:endParaRPr lang="en-US" sz="1600" dirty="0">
+              <a:solidFill>
+                <a:srgbClr val="000000"/>
+              </a:solidFill>
+            </a:endParaRPr>
+          </a:p>
+          <a:p>
+            <a:pPr marL="0" lvl="0" indent="0">
+              <a:spcBef>
+                <a:spcPts val="1600"/>
+              </a:spcBef>
+              <a:buNone/>
+            </a:pPr>
+            <a:r>
+              <a:rPr lang="en-US" sz="1600" dirty="0" smtClean="0">
+                <a:solidFill>
+                  <a:srgbClr val="000000"/>
+                </a:solidFill>
+              </a:rPr>
+              <a:t>By: Jean Franco </a:t>
+            </a:r>
+            <a:r>
+              <a:rPr lang="en-US" sz="1600" smtClean="0">
+                <a:solidFill>
+                  <a:srgbClr val="000000"/>
+                </a:solidFill>
+              </a:rPr>
+              <a:t>Chosson</a:t>
+            </a:r>
+            <a:endParaRPr sz="1600" dirty="0">
+              <a:solidFill>
+                <a:srgbClr val="000000"/>
+              </a:solidFill>
+            </a:endParaRPr>
+          </a:p>
+        </p:txBody>
+      </p:sp>
+    </p:spTree>
+  </p:cSld>
+  <p:clrMapOvr>
+    <a:masterClrMapping/>
+  </p:clrMapOvr>
+</p:sld>
+</file>
+
 <file path=ppt/slides/slide2.xml><?xml version="1.0" encoding="utf-8"?>
 <p:sld xmlns:a="http://schemas.openxmlformats.org/drawingml/2006/main" xmlns:r="http://schemas.openxmlformats.org/officeDocument/2006/relationships" xmlns:p="http://schemas.openxmlformats.org/presentationml/2006/main">
   <p:cSld>
@@ -10092,10 +11345,10 @@
               <a:buNone/>
             </a:pPr>
             <a:r>
-              <a:rPr lang="en"/>
+              <a:rPr lang="en" dirty="0"/>
               <a:t>Results </a:t>
             </a:r>
-            <a:endParaRPr/>
+            <a:endParaRPr dirty="0"/>
           </a:p>
         </p:txBody>
       </p:sp>
@@ -10166,6 +11419,36 @@
           </a:p>
         </p:txBody>
       </p:sp>
+      <p:pic>
+        <p:nvPicPr>
+          <p:cNvPr id="3" name="Picture 2"/>
+          <p:cNvPicPr>
+            <a:picLocks noChangeAspect="1"/>
+          </p:cNvPicPr>
+          <p:nvPr/>
+        </p:nvPicPr>
+        <p:blipFill>
+          <a:blip r:embed="rId3">
+            <a:extLst>
+              <a:ext uri="{28A0092B-C50C-407E-A947-70E740481C1C}">
+                <a14:useLocalDpi xmlns:a14="http://schemas.microsoft.com/office/drawing/2010/main" val="0"/>
+              </a:ext>
+            </a:extLst>
+          </a:blip>
+          <a:stretch>
+            <a:fillRect/>
+          </a:stretch>
+        </p:blipFill>
+        <p:spPr>
+          <a:xfrm>
+            <a:off x="3207226" y="2078954"/>
+            <a:ext cx="2729548" cy="2863161"/>
+          </a:xfrm>
+          <a:prstGeom prst="rect">
+            <a:avLst/>
+          </a:prstGeom>
+        </p:spPr>
+      </p:pic>
     </p:spTree>
   </p:cSld>
   <p:clrMapOvr>
@@ -10179,7 +11462,7 @@
   <p:cSld>
     <p:spTree>
       <p:nvGrpSpPr>
-        <p:cNvPr id="1" name="Shape 130"/>
+        <p:cNvPr id="1" name=""/>
         <p:cNvGrpSpPr/>
         <p:nvPr/>
       </p:nvGrpSpPr>
@@ -10193,50 +11476,31 @@
       </p:grpSpPr>
       <p:sp>
         <p:nvSpPr>
-          <p:cNvPr id="131" name="Google Shape;131;p18"/>
-          <p:cNvSpPr txBox="1">
+          <p:cNvPr id="2" name="Title 1"/>
+          <p:cNvSpPr>
             <a:spLocks noGrp="1"/>
           </p:cNvSpPr>
           <p:nvPr>
             <p:ph type="title"/>
           </p:nvPr>
         </p:nvSpPr>
-        <p:spPr>
-          <a:xfrm>
-            <a:off x="729450" y="785250"/>
-            <a:ext cx="7688700" cy="535200"/>
-          </a:xfrm>
-          <a:prstGeom prst="rect">
-            <a:avLst/>
-          </a:prstGeom>
-        </p:spPr>
+        <p:spPr/>
         <p:txBody>
-          <a:bodyPr spcFirstLastPara="1" wrap="square" lIns="91425" tIns="91425" rIns="91425" bIns="91425" anchor="t" anchorCtr="0">
-            <a:noAutofit/>
-          </a:bodyPr>
+          <a:bodyPr/>
           <a:lstStyle/>
           <a:p>
-            <a:pPr marL="0" lvl="0" indent="0" algn="l" rtl="0">
-              <a:spcBef>
-                <a:spcPts val="0"/>
-              </a:spcBef>
-              <a:spcAft>
-                <a:spcPts val="0"/>
-              </a:spcAft>
-              <a:buNone/>
-            </a:pPr>
-            <a:r>
-              <a:rPr lang="en"/>
-              <a:t>Discussion &amp; Recommendations</a:t>
-            </a:r>
-            <a:endParaRPr/>
+            <a:r>
+              <a:rPr lang="en" dirty="0"/>
+              <a:t>Results</a:t>
+            </a:r>
+            <a:endParaRPr lang="en-US" dirty="0"/>
           </a:p>
         </p:txBody>
       </p:sp>
       <p:sp>
         <p:nvSpPr>
-          <p:cNvPr id="132" name="Google Shape;132;p18"/>
-          <p:cNvSpPr txBox="1">
+          <p:cNvPr id="3" name="Text Placeholder 2"/>
+          <p:cNvSpPr>
             <a:spLocks noGrp="1"/>
           </p:cNvSpPr>
           <p:nvPr>
@@ -10245,114 +11509,126 @@
         </p:nvSpPr>
         <p:spPr>
           <a:xfrm>
-            <a:off x="729450" y="1545475"/>
-            <a:ext cx="7688700" cy="2261100"/>
+            <a:off x="607530" y="1271155"/>
+            <a:ext cx="7688700" cy="380861"/>
+          </a:xfrm>
+        </p:spPr>
+        <p:txBody>
+          <a:bodyPr/>
+          <a:lstStyle/>
+          <a:p>
+            <a:r>
+              <a:rPr lang="en-US" dirty="0" smtClean="0"/>
+              <a:t>Distribution of </a:t>
+            </a:r>
+            <a:r>
+              <a:rPr lang="en-US" dirty="0"/>
+              <a:t>Customer </a:t>
+            </a:r>
+            <a:r>
+              <a:rPr lang="en-US" dirty="0" smtClean="0"/>
+              <a:t>demographics by churn customer</a:t>
+            </a:r>
+            <a:endParaRPr lang="en-US" dirty="0"/>
+          </a:p>
+        </p:txBody>
+      </p:sp>
+      <p:pic>
+        <p:nvPicPr>
+          <p:cNvPr id="4" name="Picture 3"/>
+          <p:cNvPicPr>
+            <a:picLocks noChangeAspect="1"/>
+          </p:cNvPicPr>
+          <p:nvPr/>
+        </p:nvPicPr>
+        <p:blipFill>
+          <a:blip r:embed="rId2">
+            <a:extLst>
+              <a:ext uri="{28A0092B-C50C-407E-A947-70E740481C1C}">
+                <a14:useLocalDpi xmlns:a14="http://schemas.microsoft.com/office/drawing/2010/main" val="0"/>
+              </a:ext>
+            </a:extLst>
+          </a:blip>
+          <a:stretch>
+            <a:fillRect/>
+          </a:stretch>
+        </p:blipFill>
+        <p:spPr>
+          <a:xfrm>
+            <a:off x="164522" y="1895846"/>
+            <a:ext cx="2767723" cy="2741695"/>
           </a:xfrm>
           <a:prstGeom prst="rect">
             <a:avLst/>
           </a:prstGeom>
         </p:spPr>
-        <p:txBody>
-          <a:bodyPr spcFirstLastPara="1" wrap="square" lIns="91425" tIns="91425" rIns="91425" bIns="91425" anchor="t" anchorCtr="0">
-            <a:noAutofit/>
-          </a:bodyPr>
-          <a:lstStyle/>
-          <a:p>
-            <a:pPr marL="0" lvl="0" indent="0" algn="l" rtl="0">
-              <a:spcBef>
-                <a:spcPts val="0"/>
-              </a:spcBef>
-              <a:spcAft>
-                <a:spcPts val="0"/>
-              </a:spcAft>
-              <a:buNone/>
-            </a:pPr>
-            <a:r>
-              <a:rPr lang="en" sz="1600"/>
-              <a:t>Communicate your recommendations to your audience. Based on your results, how might you propose solving the business problem? (</a:t>
-            </a:r>
-            <a:r>
-              <a:rPr lang="en" sz="1600">
-                <a:latin typeface="Encode Sans SemiBold"/>
-                <a:ea typeface="Encode Sans SemiBold"/>
-                <a:cs typeface="Encode Sans SemiBold"/>
-                <a:sym typeface="Encode Sans SemiBold"/>
-              </a:rPr>
-              <a:t>June 15, 2020)</a:t>
-            </a:r>
-            <a:endParaRPr sz="1600"/>
-          </a:p>
-          <a:p>
-            <a:pPr marL="457200" lvl="0" indent="-330200" algn="l" rtl="0">
-              <a:spcBef>
-                <a:spcPts val="1600"/>
-              </a:spcBef>
-              <a:spcAft>
-                <a:spcPts val="0"/>
-              </a:spcAft>
-              <a:buSzPts val="1600"/>
-              <a:buChar char="❏"/>
-            </a:pPr>
-            <a:r>
-              <a:rPr lang="en" sz="1600"/>
-              <a:t>What is your proposed solution?</a:t>
-            </a:r>
-            <a:endParaRPr sz="1600"/>
-          </a:p>
-          <a:p>
-            <a:pPr marL="457200" lvl="0" indent="-330200" algn="l" rtl="0">
-              <a:spcBef>
-                <a:spcPts val="0"/>
-              </a:spcBef>
-              <a:spcAft>
-                <a:spcPts val="0"/>
-              </a:spcAft>
-              <a:buSzPts val="1600"/>
-              <a:buChar char="❏"/>
-            </a:pPr>
-            <a:r>
-              <a:rPr lang="en" sz="1600"/>
-              <a:t>What are strengths of the organization that you have leveraged in your solution?</a:t>
-            </a:r>
-            <a:endParaRPr sz="1600"/>
-          </a:p>
-          <a:p>
-            <a:pPr marL="457200" lvl="0" indent="-330200" algn="l" rtl="0">
-              <a:spcBef>
-                <a:spcPts val="0"/>
-              </a:spcBef>
-              <a:spcAft>
-                <a:spcPts val="0"/>
-              </a:spcAft>
-              <a:buSzPts val="1600"/>
-              <a:buChar char="❏"/>
-            </a:pPr>
-            <a:r>
-              <a:rPr lang="en" sz="1600"/>
-              <a:t>What are weaknesses of the organization that could undermine your solution?</a:t>
-            </a:r>
-            <a:endParaRPr sz="1600"/>
-          </a:p>
-          <a:p>
-            <a:pPr marL="457200" lvl="0" indent="-330200" algn="l" rtl="0">
-              <a:spcBef>
-                <a:spcPts val="0"/>
-              </a:spcBef>
-              <a:spcAft>
-                <a:spcPts val="0"/>
-              </a:spcAft>
-              <a:buSzPts val="1600"/>
-              <a:buChar char="❏"/>
-            </a:pPr>
-            <a:r>
-              <a:rPr lang="en" sz="1600"/>
-              <a:t>What are challenges that you might encounter? How can you mitigate them?</a:t>
-            </a:r>
-            <a:endParaRPr sz="1600"/>
-          </a:p>
-        </p:txBody>
-      </p:sp>
+      </p:pic>
+      <p:pic>
+        <p:nvPicPr>
+          <p:cNvPr id="5" name="Picture 4"/>
+          <p:cNvPicPr>
+            <a:picLocks noChangeAspect="1"/>
+          </p:cNvPicPr>
+          <p:nvPr/>
+        </p:nvPicPr>
+        <p:blipFill>
+          <a:blip r:embed="rId3">
+            <a:extLst>
+              <a:ext uri="{28A0092B-C50C-407E-A947-70E740481C1C}">
+                <a14:useLocalDpi xmlns:a14="http://schemas.microsoft.com/office/drawing/2010/main" val="0"/>
+              </a:ext>
+            </a:extLst>
+          </a:blip>
+          <a:stretch>
+            <a:fillRect/>
+          </a:stretch>
+        </p:blipFill>
+        <p:spPr>
+          <a:xfrm>
+            <a:off x="2940691" y="2219086"/>
+            <a:ext cx="2957816" cy="2058638"/>
+          </a:xfrm>
+          <a:prstGeom prst="rect">
+            <a:avLst/>
+          </a:prstGeom>
+        </p:spPr>
+      </p:pic>
+      <p:pic>
+        <p:nvPicPr>
+          <p:cNvPr id="6" name="Picture 5"/>
+          <p:cNvPicPr>
+            <a:picLocks noChangeAspect="1"/>
+          </p:cNvPicPr>
+          <p:nvPr/>
+        </p:nvPicPr>
+        <p:blipFill>
+          <a:blip r:embed="rId4">
+            <a:extLst>
+              <a:ext uri="{28A0092B-C50C-407E-A947-70E740481C1C}">
+                <a14:useLocalDpi xmlns:a14="http://schemas.microsoft.com/office/drawing/2010/main" val="0"/>
+              </a:ext>
+            </a:extLst>
+          </a:blip>
+          <a:stretch>
+            <a:fillRect/>
+          </a:stretch>
+        </p:blipFill>
+        <p:spPr>
+          <a:xfrm>
+            <a:off x="5846899" y="2036907"/>
+            <a:ext cx="3253593" cy="2264500"/>
+          </a:xfrm>
+          <a:prstGeom prst="rect">
+            <a:avLst/>
+          </a:prstGeom>
+        </p:spPr>
+      </p:pic>
     </p:spTree>
+    <p:extLst>
+      <p:ext uri="{BB962C8B-B14F-4D97-AF65-F5344CB8AC3E}">
+        <p14:creationId xmlns:p14="http://schemas.microsoft.com/office/powerpoint/2010/main" val="3330775362"/>
+      </p:ext>
+    </p:extLst>
   </p:cSld>
   <p:clrMapOvr>
     <a:masterClrMapping/>
@@ -10365,7 +11641,7 @@
   <p:cSld>
     <p:spTree>
       <p:nvGrpSpPr>
-        <p:cNvPr id="1" name="Shape 136"/>
+        <p:cNvPr id="1" name=""/>
         <p:cNvGrpSpPr/>
         <p:nvPr/>
       </p:nvGrpSpPr>
@@ -10379,50 +11655,31 @@
       </p:grpSpPr>
       <p:sp>
         <p:nvSpPr>
-          <p:cNvPr id="137" name="Google Shape;137;p19"/>
-          <p:cNvSpPr txBox="1">
+          <p:cNvPr id="2" name="Title 1"/>
+          <p:cNvSpPr>
             <a:spLocks noGrp="1"/>
           </p:cNvSpPr>
           <p:nvPr>
             <p:ph type="title"/>
           </p:nvPr>
         </p:nvSpPr>
-        <p:spPr>
-          <a:xfrm>
-            <a:off x="729450" y="785250"/>
-            <a:ext cx="7688700" cy="535200"/>
-          </a:xfrm>
-          <a:prstGeom prst="rect">
-            <a:avLst/>
-          </a:prstGeom>
-        </p:spPr>
+        <p:spPr/>
         <p:txBody>
-          <a:bodyPr spcFirstLastPara="1" wrap="square" lIns="91425" tIns="91425" rIns="91425" bIns="91425" anchor="t" anchorCtr="0">
-            <a:noAutofit/>
-          </a:bodyPr>
+          <a:bodyPr/>
           <a:lstStyle/>
           <a:p>
-            <a:pPr marL="0" lvl="0" indent="0" algn="l" rtl="0">
-              <a:spcBef>
-                <a:spcPts val="0"/>
-              </a:spcBef>
-              <a:spcAft>
-                <a:spcPts val="0"/>
-              </a:spcAft>
-              <a:buNone/>
-            </a:pPr>
-            <a:r>
-              <a:rPr lang="en"/>
-              <a:t>References &amp; Appendices</a:t>
-            </a:r>
-            <a:endParaRPr/>
+            <a:r>
+              <a:rPr lang="en" dirty="0"/>
+              <a:t>Results</a:t>
+            </a:r>
+            <a:endParaRPr lang="en-US" dirty="0"/>
           </a:p>
         </p:txBody>
       </p:sp>
       <p:sp>
         <p:nvSpPr>
-          <p:cNvPr id="138" name="Google Shape;138;p19"/>
-          <p:cNvSpPr txBox="1">
+          <p:cNvPr id="3" name="Text Placeholder 2"/>
+          <p:cNvSpPr>
             <a:spLocks noGrp="1"/>
           </p:cNvSpPr>
           <p:nvPr>
@@ -10431,105 +11688,443 @@
         </p:nvSpPr>
         <p:spPr>
           <a:xfrm>
-            <a:off x="729450" y="1545475"/>
+            <a:off x="869658" y="2459875"/>
             <a:ext cx="7688700" cy="2261100"/>
+          </a:xfrm>
+        </p:spPr>
+        <p:txBody>
+          <a:bodyPr/>
+          <a:lstStyle/>
+          <a:p>
+            <a:pPr marL="146050" indent="0">
+              <a:buNone/>
+            </a:pPr>
+            <a:r>
+              <a:rPr lang="en-US" b="1" dirty="0" smtClean="0"/>
+              <a:t>With those graphics above we can see:</a:t>
+            </a:r>
+          </a:p>
+          <a:p>
+            <a:r>
+              <a:rPr lang="en-US" b="1" dirty="0" smtClean="0"/>
+              <a:t>Senior </a:t>
+            </a:r>
+            <a:r>
+              <a:rPr lang="en-US" b="1" dirty="0"/>
+              <a:t>citizens are most to Churn than Younger, 23.61% of Younger Churn among 41.68% of Senior</a:t>
+            </a:r>
+          </a:p>
+          <a:p>
+            <a:r>
+              <a:rPr lang="en-US" b="1" dirty="0"/>
+              <a:t>Yes it's true female customers are more likely to churn, but the difference is minimal (~0.8%)</a:t>
+            </a:r>
+          </a:p>
+          <a:p>
+            <a:r>
+              <a:rPr lang="en-US" b="1" dirty="0"/>
+              <a:t>19.66% of customer who have Partner Churn, beside 32.96% Whose don't have</a:t>
+            </a:r>
+          </a:p>
+          <a:p>
+            <a:r>
+              <a:rPr lang="en-US" b="1" dirty="0"/>
+              <a:t>31.28% of no dependents customer Churn, beside 15.45% dependents customer</a:t>
+            </a:r>
+          </a:p>
+          <a:p>
+            <a:endParaRPr lang="en-US" dirty="0"/>
+          </a:p>
+        </p:txBody>
+      </p:sp>
+      <p:pic>
+        <p:nvPicPr>
+          <p:cNvPr id="4" name="Picture 3"/>
+          <p:cNvPicPr>
+            <a:picLocks noChangeAspect="1"/>
+          </p:cNvPicPr>
+          <p:nvPr/>
+        </p:nvPicPr>
+        <p:blipFill>
+          <a:blip r:embed="rId2">
+            <a:extLst>
+              <a:ext uri="{28A0092B-C50C-407E-A947-70E740481C1C}">
+                <a14:useLocalDpi xmlns:a14="http://schemas.microsoft.com/office/drawing/2010/main" val="0"/>
+              </a:ext>
+            </a:extLst>
+          </a:blip>
+          <a:stretch>
+            <a:fillRect/>
+          </a:stretch>
+        </p:blipFill>
+        <p:spPr>
+          <a:xfrm>
+            <a:off x="5988693" y="384191"/>
+            <a:ext cx="2957812" cy="2058636"/>
           </a:xfrm>
           <a:prstGeom prst="rect">
             <a:avLst/>
           </a:prstGeom>
         </p:spPr>
+      </p:pic>
+    </p:spTree>
+    <p:extLst>
+      <p:ext uri="{BB962C8B-B14F-4D97-AF65-F5344CB8AC3E}">
+        <p14:creationId xmlns:p14="http://schemas.microsoft.com/office/powerpoint/2010/main" val="2414609242"/>
+      </p:ext>
+    </p:extLst>
+  </p:cSld>
+  <p:clrMapOvr>
+    <a:masterClrMapping/>
+  </p:clrMapOvr>
+</p:sld>
+</file>
+
+<file path=ppt/slides/slide8.xml><?xml version="1.0" encoding="utf-8"?>
+<p:sld xmlns:a="http://schemas.openxmlformats.org/drawingml/2006/main" xmlns:r="http://schemas.openxmlformats.org/officeDocument/2006/relationships" xmlns:p="http://schemas.openxmlformats.org/presentationml/2006/main">
+  <p:cSld>
+    <p:spTree>
+      <p:nvGrpSpPr>
+        <p:cNvPr id="1" name=""/>
+        <p:cNvGrpSpPr/>
+        <p:nvPr/>
+      </p:nvGrpSpPr>
+      <p:grpSpPr>
+        <a:xfrm>
+          <a:off x="0" y="0"/>
+          <a:ext cx="0" cy="0"/>
+          <a:chOff x="0" y="0"/>
+          <a:chExt cx="0" cy="0"/>
+        </a:xfrm>
+      </p:grpSpPr>
+      <p:sp>
+        <p:nvSpPr>
+          <p:cNvPr id="2" name="Title 1"/>
+          <p:cNvSpPr>
+            <a:spLocks noGrp="1"/>
+          </p:cNvSpPr>
+          <p:nvPr>
+            <p:ph type="title"/>
+          </p:nvPr>
+        </p:nvSpPr>
+        <p:spPr/>
         <p:txBody>
-          <a:bodyPr spcFirstLastPara="1" wrap="square" lIns="91425" tIns="91425" rIns="91425" bIns="91425" anchor="t" anchorCtr="0">
-            <a:noAutofit/>
-          </a:bodyPr>
+          <a:bodyPr/>
           <a:lstStyle/>
           <a:p>
-            <a:pPr marL="0" lvl="0" indent="0">
-              <a:spcBef>
-                <a:spcPts val="1600"/>
-              </a:spcBef>
-              <a:buNone/>
-            </a:pPr>
-            <a:r>
-              <a:rPr lang="en-US" sz="1600" dirty="0">
-                <a:hlinkClick r:id="rId3"/>
-              </a:rPr>
-              <a:t>https://</a:t>
-            </a:r>
-            <a:r>
-              <a:rPr lang="en-US" sz="1600" dirty="0" smtClean="0">
-                <a:hlinkClick r:id="rId3"/>
-              </a:rPr>
-              <a:t>github.com/B1o0b1/Customer-Churn-Analysis</a:t>
-            </a:r>
-            <a:endParaRPr lang="en-US" sz="1600" dirty="0" smtClean="0"/>
-          </a:p>
-          <a:p>
-            <a:pPr marL="0" lvl="0" indent="0">
-              <a:spcBef>
-                <a:spcPts val="1600"/>
-              </a:spcBef>
-              <a:buNone/>
-            </a:pPr>
-            <a:r>
-              <a:rPr lang="en-US" sz="1600" dirty="0">
-                <a:hlinkClick r:id="rId4"/>
-              </a:rPr>
-              <a:t>https://www.bullhorn.com/blog/2016/09/4-ways-customer-churn-hurts-business</a:t>
-            </a:r>
-            <a:r>
-              <a:rPr lang="en-US" sz="1600" dirty="0" smtClean="0">
-                <a:hlinkClick r:id="rId4"/>
-              </a:rPr>
-              <a:t>/</a:t>
-            </a:r>
-            <a:endParaRPr lang="en-US" sz="1600" dirty="0" smtClean="0"/>
-          </a:p>
-          <a:p>
-            <a:pPr marL="0" lvl="0" indent="0">
-              <a:spcBef>
-                <a:spcPts val="1600"/>
-              </a:spcBef>
-              <a:buNone/>
-            </a:pPr>
-            <a:endParaRPr lang="en-US" sz="1600" dirty="0">
-              <a:solidFill>
-                <a:srgbClr val="000000"/>
-              </a:solidFill>
-            </a:endParaRPr>
-          </a:p>
-          <a:p>
-            <a:pPr marL="0" lvl="0" indent="0">
-              <a:spcBef>
-                <a:spcPts val="1600"/>
-              </a:spcBef>
-              <a:buNone/>
-            </a:pPr>
-            <a:r>
-              <a:rPr lang="en-US" sz="1600" dirty="0" smtClean="0">
-                <a:solidFill>
-                  <a:srgbClr val="000000"/>
-                </a:solidFill>
-              </a:rPr>
-              <a:t>By: Jean Franco </a:t>
-            </a:r>
-            <a:r>
-              <a:rPr lang="en-US" sz="1600" smtClean="0">
-                <a:solidFill>
-                  <a:srgbClr val="000000"/>
-                </a:solidFill>
-              </a:rPr>
-              <a:t>Chosson</a:t>
-            </a:r>
-            <a:endParaRPr sz="1600" dirty="0">
-              <a:solidFill>
-                <a:srgbClr val="000000"/>
-              </a:solidFill>
-            </a:endParaRPr>
+            <a:r>
+              <a:rPr lang="en" dirty="0"/>
+              <a:t>Results</a:t>
+            </a:r>
+            <a:endParaRPr lang="en-US" dirty="0"/>
           </a:p>
         </p:txBody>
       </p:sp>
+      <p:sp>
+        <p:nvSpPr>
+          <p:cNvPr id="3" name="Text Placeholder 2"/>
+          <p:cNvSpPr>
+            <a:spLocks noGrp="1"/>
+          </p:cNvSpPr>
+          <p:nvPr>
+            <p:ph type="body" idx="1"/>
+          </p:nvPr>
+        </p:nvSpPr>
+        <p:spPr>
+          <a:xfrm>
+            <a:off x="729450" y="1295539"/>
+            <a:ext cx="7688700" cy="612509"/>
+          </a:xfrm>
+        </p:spPr>
+        <p:txBody>
+          <a:bodyPr/>
+          <a:lstStyle/>
+          <a:p>
+            <a:r>
+              <a:rPr lang="en-US" dirty="0" smtClean="0"/>
+              <a:t>Distribution of customer </a:t>
+            </a:r>
+            <a:r>
+              <a:rPr lang="en-US" dirty="0"/>
+              <a:t>Services </a:t>
+            </a:r>
+            <a:r>
+              <a:rPr lang="en-US" dirty="0" smtClean="0"/>
+              <a:t>used by churn customer</a:t>
+            </a:r>
+            <a:endParaRPr lang="en-US" dirty="0"/>
+          </a:p>
+        </p:txBody>
+      </p:sp>
+      <p:pic>
+        <p:nvPicPr>
+          <p:cNvPr id="4" name="Picture 3"/>
+          <p:cNvPicPr>
+            <a:picLocks noChangeAspect="1"/>
+          </p:cNvPicPr>
+          <p:nvPr/>
+        </p:nvPicPr>
+        <p:blipFill>
+          <a:blip r:embed="rId2">
+            <a:extLst>
+              <a:ext uri="{28A0092B-C50C-407E-A947-70E740481C1C}">
+                <a14:useLocalDpi xmlns:a14="http://schemas.microsoft.com/office/drawing/2010/main" val="0"/>
+              </a:ext>
+            </a:extLst>
+          </a:blip>
+          <a:stretch>
+            <a:fillRect/>
+          </a:stretch>
+        </p:blipFill>
+        <p:spPr>
+          <a:xfrm>
+            <a:off x="81669" y="2243471"/>
+            <a:ext cx="2957812" cy="2058636"/>
+          </a:xfrm>
+          <a:prstGeom prst="rect">
+            <a:avLst/>
+          </a:prstGeom>
+        </p:spPr>
+      </p:pic>
+      <p:pic>
+        <p:nvPicPr>
+          <p:cNvPr id="5" name="Picture 4"/>
+          <p:cNvPicPr>
+            <a:picLocks noChangeAspect="1"/>
+          </p:cNvPicPr>
+          <p:nvPr/>
+        </p:nvPicPr>
+        <p:blipFill>
+          <a:blip r:embed="rId3">
+            <a:extLst>
+              <a:ext uri="{28A0092B-C50C-407E-A947-70E740481C1C}">
+                <a14:useLocalDpi xmlns:a14="http://schemas.microsoft.com/office/drawing/2010/main" val="0"/>
+              </a:ext>
+            </a:extLst>
+          </a:blip>
+          <a:stretch>
+            <a:fillRect/>
+          </a:stretch>
+        </p:blipFill>
+        <p:spPr>
+          <a:xfrm>
+            <a:off x="3068709" y="2219087"/>
+            <a:ext cx="2957812" cy="2058636"/>
+          </a:xfrm>
+          <a:prstGeom prst="rect">
+            <a:avLst/>
+          </a:prstGeom>
+        </p:spPr>
+      </p:pic>
+      <p:pic>
+        <p:nvPicPr>
+          <p:cNvPr id="6" name="Picture 5"/>
+          <p:cNvPicPr>
+            <a:picLocks noChangeAspect="1"/>
+          </p:cNvPicPr>
+          <p:nvPr/>
+        </p:nvPicPr>
+        <p:blipFill>
+          <a:blip r:embed="rId4">
+            <a:extLst>
+              <a:ext uri="{28A0092B-C50C-407E-A947-70E740481C1C}">
+                <a14:useLocalDpi xmlns:a14="http://schemas.microsoft.com/office/drawing/2010/main" val="0"/>
+              </a:ext>
+            </a:extLst>
+          </a:blip>
+          <a:stretch>
+            <a:fillRect/>
+          </a:stretch>
+        </p:blipFill>
+        <p:spPr>
+          <a:xfrm>
+            <a:off x="6103932" y="2243442"/>
+            <a:ext cx="2957812" cy="2058636"/>
+          </a:xfrm>
+          <a:prstGeom prst="rect">
+            <a:avLst/>
+          </a:prstGeom>
+        </p:spPr>
+      </p:pic>
     </p:spTree>
+    <p:extLst>
+      <p:ext uri="{BB962C8B-B14F-4D97-AF65-F5344CB8AC3E}">
+        <p14:creationId xmlns:p14="http://schemas.microsoft.com/office/powerpoint/2010/main" val="3200085846"/>
+      </p:ext>
+    </p:extLst>
+  </p:cSld>
+  <p:clrMapOvr>
+    <a:masterClrMapping/>
+  </p:clrMapOvr>
+</p:sld>
+</file>
+
+<file path=ppt/slides/slide9.xml><?xml version="1.0" encoding="utf-8"?>
+<p:sld xmlns:a="http://schemas.openxmlformats.org/drawingml/2006/main" xmlns:r="http://schemas.openxmlformats.org/officeDocument/2006/relationships" xmlns:p="http://schemas.openxmlformats.org/presentationml/2006/main">
+  <p:cSld>
+    <p:spTree>
+      <p:nvGrpSpPr>
+        <p:cNvPr id="1" name=""/>
+        <p:cNvGrpSpPr/>
+        <p:nvPr/>
+      </p:nvGrpSpPr>
+      <p:grpSpPr>
+        <a:xfrm>
+          <a:off x="0" y="0"/>
+          <a:ext cx="0" cy="0"/>
+          <a:chOff x="0" y="0"/>
+          <a:chExt cx="0" cy="0"/>
+        </a:xfrm>
+      </p:grpSpPr>
+      <p:sp>
+        <p:nvSpPr>
+          <p:cNvPr id="2" name="Title 1"/>
+          <p:cNvSpPr>
+            <a:spLocks noGrp="1"/>
+          </p:cNvSpPr>
+          <p:nvPr>
+            <p:ph type="title"/>
+          </p:nvPr>
+        </p:nvSpPr>
+        <p:spPr/>
+        <p:txBody>
+          <a:bodyPr/>
+          <a:lstStyle/>
+          <a:p>
+            <a:r>
+              <a:rPr lang="en" dirty="0"/>
+              <a:t>Results</a:t>
+            </a:r>
+            <a:endParaRPr lang="en-US" dirty="0"/>
+          </a:p>
+        </p:txBody>
+      </p:sp>
+      <p:sp>
+        <p:nvSpPr>
+          <p:cNvPr id="3" name="Text Placeholder 2"/>
+          <p:cNvSpPr>
+            <a:spLocks noGrp="1"/>
+          </p:cNvSpPr>
+          <p:nvPr>
+            <p:ph type="body" idx="1"/>
+          </p:nvPr>
+        </p:nvSpPr>
+        <p:spPr>
+          <a:xfrm>
+            <a:off x="729450" y="1265059"/>
+            <a:ext cx="7688700" cy="533261"/>
+          </a:xfrm>
+        </p:spPr>
+        <p:txBody>
+          <a:bodyPr/>
+          <a:lstStyle/>
+          <a:p>
+            <a:r>
+              <a:rPr lang="en-US" dirty="0"/>
+              <a:t>Distribution of customer Services used by churn customer</a:t>
+            </a:r>
+          </a:p>
+          <a:p>
+            <a:endParaRPr lang="en-US" dirty="0"/>
+          </a:p>
+        </p:txBody>
+      </p:sp>
+      <p:pic>
+        <p:nvPicPr>
+          <p:cNvPr id="4" name="Picture 3"/>
+          <p:cNvPicPr>
+            <a:picLocks noChangeAspect="1"/>
+          </p:cNvPicPr>
+          <p:nvPr/>
+        </p:nvPicPr>
+        <p:blipFill>
+          <a:blip r:embed="rId2">
+            <a:extLst>
+              <a:ext uri="{28A0092B-C50C-407E-A947-70E740481C1C}">
+                <a14:useLocalDpi xmlns:a14="http://schemas.microsoft.com/office/drawing/2010/main" val="0"/>
+              </a:ext>
+            </a:extLst>
+          </a:blip>
+          <a:stretch>
+            <a:fillRect/>
+          </a:stretch>
+        </p:blipFill>
+        <p:spPr>
+          <a:xfrm>
+            <a:off x="0" y="2237375"/>
+            <a:ext cx="2957812" cy="2058636"/>
+          </a:xfrm>
+          <a:prstGeom prst="rect">
+            <a:avLst/>
+          </a:prstGeom>
+        </p:spPr>
+      </p:pic>
+      <p:pic>
+        <p:nvPicPr>
+          <p:cNvPr id="5" name="Picture 4"/>
+          <p:cNvPicPr>
+            <a:picLocks noChangeAspect="1"/>
+          </p:cNvPicPr>
+          <p:nvPr/>
+        </p:nvPicPr>
+        <p:blipFill>
+          <a:blip r:embed="rId3">
+            <a:extLst>
+              <a:ext uri="{28A0092B-C50C-407E-A947-70E740481C1C}">
+                <a14:useLocalDpi xmlns:a14="http://schemas.microsoft.com/office/drawing/2010/main" val="0"/>
+              </a:ext>
+            </a:extLst>
+          </a:blip>
+          <a:stretch>
+            <a:fillRect/>
+          </a:stretch>
+        </p:blipFill>
+        <p:spPr>
+          <a:xfrm>
+            <a:off x="3093093" y="2170319"/>
+            <a:ext cx="2957812" cy="2058636"/>
+          </a:xfrm>
+          <a:prstGeom prst="rect">
+            <a:avLst/>
+          </a:prstGeom>
+        </p:spPr>
+      </p:pic>
+      <p:pic>
+        <p:nvPicPr>
+          <p:cNvPr id="6" name="Picture 5"/>
+          <p:cNvPicPr>
+            <a:picLocks noChangeAspect="1"/>
+          </p:cNvPicPr>
+          <p:nvPr/>
+        </p:nvPicPr>
+        <p:blipFill>
+          <a:blip r:embed="rId4">
+            <a:extLst>
+              <a:ext uri="{28A0092B-C50C-407E-A947-70E740481C1C}">
+                <a14:useLocalDpi xmlns:a14="http://schemas.microsoft.com/office/drawing/2010/main" val="0"/>
+              </a:ext>
+            </a:extLst>
+          </a:blip>
+          <a:stretch>
+            <a:fillRect/>
+          </a:stretch>
+        </p:blipFill>
+        <p:spPr>
+          <a:xfrm>
+            <a:off x="6155708" y="2145935"/>
+            <a:ext cx="2957812" cy="2058636"/>
+          </a:xfrm>
+          <a:prstGeom prst="rect">
+            <a:avLst/>
+          </a:prstGeom>
+        </p:spPr>
+      </p:pic>
+    </p:spTree>
+    <p:extLst>
+      <p:ext uri="{BB962C8B-B14F-4D97-AF65-F5344CB8AC3E}">
+        <p14:creationId xmlns:p14="http://schemas.microsoft.com/office/powerpoint/2010/main" val="972551949"/>
+      </p:ext>
+    </p:extLst>
   </p:cSld>
   <p:clrMapOvr>
     <a:masterClrMapping/>

--- a/BI project Jean Franco Chosson .pptx
+++ b/BI project Jean Franco Chosson .pptx
@@ -30,23 +30,23 @@
   <p:notesSz cx="6858000" cy="9144000"/>
   <p:embeddedFontLst>
     <p:embeddedFont>
+      <p:font typeface="Raleway" charset="0"/>
+      <p:regular r:id="rId20"/>
+      <p:bold r:id="rId21"/>
+      <p:italic r:id="rId22"/>
+      <p:boldItalic r:id="rId23"/>
+    </p:embeddedFont>
+    <p:embeddedFont>
+      <p:font typeface="Encode Sans SemiBold" charset="0"/>
+      <p:regular r:id="rId24"/>
+      <p:bold r:id="rId25"/>
+    </p:embeddedFont>
+    <p:embeddedFont>
       <p:font typeface="Cutive" charset="0"/>
-      <p:regular r:id="rId20"/>
+      <p:regular r:id="rId26"/>
     </p:embeddedFont>
     <p:embeddedFont>
       <p:font typeface="Lato" charset="0"/>
-      <p:regular r:id="rId21"/>
-      <p:bold r:id="rId22"/>
-      <p:italic r:id="rId23"/>
-      <p:boldItalic r:id="rId24"/>
-    </p:embeddedFont>
-    <p:embeddedFont>
-      <p:font typeface="Encode Sans SemiBold" charset="0"/>
-      <p:regular r:id="rId25"/>
-      <p:bold r:id="rId26"/>
-    </p:embeddedFont>
-    <p:embeddedFont>
-      <p:font typeface="Raleway" charset="0"/>
       <p:regular r:id="rId27"/>
       <p:bold r:id="rId28"/>
       <p:italic r:id="rId29"/>
@@ -284,7 +284,7 @@
   </p:defaultTextStyle>
   <p:extLst>
     <p:ext uri="{EFAFB233-063F-42B5-8137-9DF3F51BA10A}">
-      <p15:sldGuideLst xmlns="" xmlns:mc="http://schemas.openxmlformats.org/markup-compatibility/2006" xmlns:mv="urn:schemas-microsoft-com:mac:vml" xmlns:c="http://schemas.openxmlformats.org/drawingml/2006/chart" xmlns:dgm="http://schemas.openxmlformats.org/drawingml/2006/diagram" xmlns:o="urn:schemas-microsoft-com:office:office" xmlns:v="urn:schemas-microsoft-com:vml" xmlns:pvml="urn:schemas-microsoft-com:office:powerpoint" xmlns:com="http://schemas.openxmlformats.org/drawingml/2006/compatibility" xmlns:p14="http://schemas.microsoft.com/office/powerpoint/2010/main" xmlns:p15="http://schemas.microsoft.com/office/powerpoint/2012/main">
+      <p15:sldGuideLst xmlns:p15="http://schemas.microsoft.com/office/powerpoint/2012/main" xmlns:p14="http://schemas.microsoft.com/office/powerpoint/2010/main" xmlns:com="http://schemas.openxmlformats.org/drawingml/2006/compatibility" xmlns:pvml="urn:schemas-microsoft-com:office:powerpoint" xmlns:v="urn:schemas-microsoft-com:vml" xmlns:o="urn:schemas-microsoft-com:office:office" xmlns:dgm="http://schemas.openxmlformats.org/drawingml/2006/diagram" xmlns:c="http://schemas.openxmlformats.org/drawingml/2006/chart" xmlns:mv="urn:schemas-microsoft-com:mac:vml" xmlns:mc="http://schemas.openxmlformats.org/markup-compatibility/2006" xmlns="">
         <p15:guide id="1" orient="horz" pos="1620">
           <p15:clr>
             <a:srgbClr val="A4A3A4"/>
@@ -9619,7 +9619,6 @@
               <a:rPr lang="en-US" sz="1200" b="1" dirty="0"/>
               <a:t>difference is not really significant</a:t>
             </a:r>
-            <a:endParaRPr lang="en-US" sz="1200" b="1" dirty="0"/>
           </a:p>
           <a:p>
             <a:r>
@@ -10182,7 +10181,7 @@
             </a:r>
             <a:r>
               <a:rPr lang="en-US" dirty="0" smtClean="0"/>
-              <a:t>unlikely </a:t>
+              <a:t>likely </a:t>
             </a:r>
             <a:r>
               <a:rPr lang="en-US" dirty="0"/>
@@ -10289,10 +10288,50 @@
             <p:ph type="body" idx="1"/>
           </p:nvPr>
         </p:nvSpPr>
-        <p:spPr/>
+        <p:spPr>
+          <a:xfrm>
+            <a:off x="729450" y="1545474"/>
+            <a:ext cx="7688700" cy="3203310"/>
+          </a:xfrm>
+        </p:spPr>
         <p:txBody>
           <a:bodyPr/>
           <a:lstStyle/>
+          <a:p>
+            <a:r>
+              <a:rPr lang="en-US" dirty="0" smtClean="0"/>
+              <a:t>Finally we found that the profile type of churn customer is a customer more likely to be a senior, male or female, more likely to have a month to month contract, more likely to not use any service or to use only a phone service and have an fiber optic as internet service , to </a:t>
+            </a:r>
+            <a:r>
+              <a:rPr lang="en-US" dirty="0" smtClean="0"/>
+              <a:t>that point I don’t really look deeper but we can theorize that </a:t>
+            </a:r>
+            <a:r>
+              <a:rPr lang="en-US" dirty="0" smtClean="0"/>
+              <a:t>maybe the fiber optic it’s really expensive so that have increased considerably the monthly charges and Total charges.  </a:t>
+            </a:r>
+            <a:r>
+              <a:rPr lang="en-US" dirty="0" smtClean="0"/>
+              <a:t>In that case perhaps there are other company that provide it more affordable. </a:t>
+            </a:r>
+          </a:p>
+          <a:p>
+            <a:endParaRPr lang="en-US" dirty="0" smtClean="0"/>
+          </a:p>
+          <a:p>
+            <a:endParaRPr lang="en-US" dirty="0"/>
+          </a:p>
+          <a:p>
+            <a:r>
+              <a:rPr lang="en-US" dirty="0" smtClean="0"/>
+              <a:t>For recommendations,  fist of all the company has to provide more reasons to the custome</a:t>
+            </a:r>
+            <a:r>
+              <a:rPr lang="en-US" dirty="0" smtClean="0"/>
+              <a:t>r to have a contract of one to two years instead of an month to month contract. The team marketing must to work  hardly in order to push customers to use the different services of the company. Furthermore perhaps the company has to look at fiber optic services offered by competitors in order to adjust to avoid customer to go elsewhere.</a:t>
+            </a:r>
+            <a:endParaRPr lang="en-US" dirty="0" smtClean="0"/>
+          </a:p>
           <a:p>
             <a:endParaRPr lang="en-US" dirty="0"/>
           </a:p>
@@ -10404,6 +10443,10 @@
               </a:spcAft>
               <a:buNone/>
             </a:pPr>
+            <a:r>
+              <a:rPr lang="en-US" sz="1600" dirty="0" smtClean="0"/>
+              <a:t> </a:t>
+            </a:r>
             <a:endParaRPr sz="1600" dirty="0"/>
           </a:p>
         </p:txBody>
